--- a/18-data-visualization/Contenido Semana 2/5.1. Presentación - Gráfico de Columnas.pptx
+++ b/18-data-visualization/Contenido Semana 2/5.1. Presentación - Gráfico de Columnas.pptx
@@ -5,35 +5,39 @@
     <p:sldMasterId id="2147483670" r:id="rId1"/>
   </p:sldMasterIdLst>
   <p:notesMasterIdLst>
-    <p:notesMasterId r:id="rId4"/>
+    <p:notesMasterId r:id="rId8"/>
   </p:notesMasterIdLst>
   <p:sldIdLst>
     <p:sldId id="282" r:id="rId2"/>
     <p:sldId id="283" r:id="rId3"/>
+    <p:sldId id="285" r:id="rId4"/>
+    <p:sldId id="284" r:id="rId5"/>
+    <p:sldId id="286" r:id="rId6"/>
+    <p:sldId id="287" r:id="rId7"/>
   </p:sldIdLst>
   <p:sldSz cx="9144000" cy="6858000" type="screen4x3"/>
   <p:notesSz cx="6858000" cy="9144000"/>
   <p:embeddedFontLst>
     <p:embeddedFont>
-      <p:font typeface="Raleway" panose="020B0604020202020204" charset="0"/>
-      <p:regular r:id="rId5"/>
-      <p:bold r:id="rId6"/>
-      <p:italic r:id="rId7"/>
-      <p:boldItalic r:id="rId8"/>
-    </p:embeddedFont>
-    <p:embeddedFont>
-      <p:font typeface="Montserrat" panose="020B0604020202020204" charset="0"/>
+      <p:font typeface="Calibri" panose="020F0502020204030204" pitchFamily="34" charset="0"/>
       <p:regular r:id="rId9"/>
       <p:bold r:id="rId10"/>
       <p:italic r:id="rId11"/>
       <p:boldItalic r:id="rId12"/>
     </p:embeddedFont>
     <p:embeddedFont>
-      <p:font typeface="Calibri" panose="020F0502020204030204" pitchFamily="34" charset="0"/>
+      <p:font typeface="Montserrat" panose="020B0604020202020204" charset="0"/>
       <p:regular r:id="rId13"/>
       <p:bold r:id="rId14"/>
       <p:italic r:id="rId15"/>
       <p:boldItalic r:id="rId16"/>
+    </p:embeddedFont>
+    <p:embeddedFont>
+      <p:font typeface="Raleway" panose="020B0604020202020204" charset="0"/>
+      <p:regular r:id="rId17"/>
+      <p:bold r:id="rId18"/>
+      <p:italic r:id="rId19"/>
+      <p:boldItalic r:id="rId20"/>
     </p:embeddedFont>
   </p:embeddedFontLst>
   <p:defaultTextStyle>
@@ -1319,6 +1323,430 @@
     <p:extLst>
       <p:ext uri="{BB962C8B-B14F-4D97-AF65-F5344CB8AC3E}">
         <p14:creationId xmlns:p14="http://schemas.microsoft.com/office/powerpoint/2010/main" val="2401736586"/>
+      </p:ext>
+    </p:extLst>
+  </p:cSld>
+  <p:clrMapOvr>
+    <a:masterClrMapping/>
+  </p:clrMapOvr>
+</p:notes>
+</file>
+
+<file path=ppt/notesSlides/notesSlide3.xml><?xml version="1.0" encoding="utf-8"?>
+<p:notes xmlns:a="http://schemas.openxmlformats.org/drawingml/2006/main" xmlns:r="http://schemas.openxmlformats.org/officeDocument/2006/relationships" xmlns:p="http://schemas.openxmlformats.org/presentationml/2006/main" showMasterSp="0" showMasterPhAnim="0">
+  <p:cSld>
+    <p:spTree>
+      <p:nvGrpSpPr>
+        <p:cNvPr id="1" name="Shape 389"/>
+        <p:cNvGrpSpPr/>
+        <p:nvPr/>
+      </p:nvGrpSpPr>
+      <p:grpSpPr>
+        <a:xfrm>
+          <a:off x="0" y="0"/>
+          <a:ext cx="0" cy="0"/>
+          <a:chOff x="0" y="0"/>
+          <a:chExt cx="0" cy="0"/>
+        </a:xfrm>
+      </p:grpSpPr>
+      <p:sp>
+        <p:nvSpPr>
+          <p:cNvPr id="390" name="Shape 390"/>
+          <p:cNvSpPr txBox="1">
+            <a:spLocks noGrp="1"/>
+          </p:cNvSpPr>
+          <p:nvPr>
+            <p:ph type="body" idx="1"/>
+          </p:nvPr>
+        </p:nvSpPr>
+        <p:spPr>
+          <a:xfrm>
+            <a:off x="685800" y="4343400"/>
+            <a:ext cx="5486400" cy="4114800"/>
+          </a:xfrm>
+          <a:prstGeom prst="rect">
+            <a:avLst/>
+          </a:prstGeom>
+        </p:spPr>
+        <p:txBody>
+          <a:bodyPr lIns="91425" tIns="91425" rIns="91425" bIns="91425" anchor="t" anchorCtr="0">
+            <a:noAutofit/>
+          </a:bodyPr>
+          <a:lstStyle/>
+          <a:p>
+            <a:pPr lvl="0">
+              <a:spcBef>
+                <a:spcPts val="0"/>
+              </a:spcBef>
+              <a:buNone/>
+            </a:pPr>
+            <a:endParaRPr/>
+          </a:p>
+        </p:txBody>
+      </p:sp>
+      <p:sp>
+        <p:nvSpPr>
+          <p:cNvPr id="391" name="Shape 391"/>
+          <p:cNvSpPr>
+            <a:spLocks noGrp="1" noRot="1" noChangeAspect="1"/>
+          </p:cNvSpPr>
+          <p:nvPr>
+            <p:ph type="sldImg" idx="2"/>
+          </p:nvPr>
+        </p:nvSpPr>
+        <p:spPr>
+          <a:xfrm>
+            <a:off x="1143000" y="685800"/>
+            <a:ext cx="4572000" cy="3429000"/>
+          </a:xfrm>
+          <a:custGeom>
+            <a:avLst/>
+            <a:gdLst/>
+            <a:ahLst/>
+            <a:cxnLst/>
+            <a:rect l="0" t="0" r="0" b="0"/>
+            <a:pathLst>
+              <a:path w="120000" h="120000" extrusionOk="0">
+                <a:moveTo>
+                  <a:pt x="0" y="0"/>
+                </a:moveTo>
+                <a:lnTo>
+                  <a:pt x="120000" y="0"/>
+                </a:lnTo>
+                <a:lnTo>
+                  <a:pt x="120000" y="120000"/>
+                </a:lnTo>
+                <a:lnTo>
+                  <a:pt x="0" y="120000"/>
+                </a:lnTo>
+                <a:close/>
+              </a:path>
+            </a:pathLst>
+          </a:custGeom>
+        </p:spPr>
+      </p:sp>
+    </p:spTree>
+    <p:extLst>
+      <p:ext uri="{BB962C8B-B14F-4D97-AF65-F5344CB8AC3E}">
+        <p14:creationId xmlns:p14="http://schemas.microsoft.com/office/powerpoint/2010/main" val="2450136460"/>
+      </p:ext>
+    </p:extLst>
+  </p:cSld>
+  <p:clrMapOvr>
+    <a:masterClrMapping/>
+  </p:clrMapOvr>
+</p:notes>
+</file>
+
+<file path=ppt/notesSlides/notesSlide4.xml><?xml version="1.0" encoding="utf-8"?>
+<p:notes xmlns:a="http://schemas.openxmlformats.org/drawingml/2006/main" xmlns:r="http://schemas.openxmlformats.org/officeDocument/2006/relationships" xmlns:p="http://schemas.openxmlformats.org/presentationml/2006/main" showMasterSp="0" showMasterPhAnim="0">
+  <p:cSld>
+    <p:spTree>
+      <p:nvGrpSpPr>
+        <p:cNvPr id="1" name="Shape 389"/>
+        <p:cNvGrpSpPr/>
+        <p:nvPr/>
+      </p:nvGrpSpPr>
+      <p:grpSpPr>
+        <a:xfrm>
+          <a:off x="0" y="0"/>
+          <a:ext cx="0" cy="0"/>
+          <a:chOff x="0" y="0"/>
+          <a:chExt cx="0" cy="0"/>
+        </a:xfrm>
+      </p:grpSpPr>
+      <p:sp>
+        <p:nvSpPr>
+          <p:cNvPr id="390" name="Shape 390"/>
+          <p:cNvSpPr txBox="1">
+            <a:spLocks noGrp="1"/>
+          </p:cNvSpPr>
+          <p:nvPr>
+            <p:ph type="body" idx="1"/>
+          </p:nvPr>
+        </p:nvSpPr>
+        <p:spPr>
+          <a:xfrm>
+            <a:off x="685800" y="4343400"/>
+            <a:ext cx="5486400" cy="4114800"/>
+          </a:xfrm>
+          <a:prstGeom prst="rect">
+            <a:avLst/>
+          </a:prstGeom>
+        </p:spPr>
+        <p:txBody>
+          <a:bodyPr lIns="91425" tIns="91425" rIns="91425" bIns="91425" anchor="t" anchorCtr="0">
+            <a:noAutofit/>
+          </a:bodyPr>
+          <a:lstStyle/>
+          <a:p>
+            <a:pPr lvl="0">
+              <a:spcBef>
+                <a:spcPts val="0"/>
+              </a:spcBef>
+              <a:buNone/>
+            </a:pPr>
+            <a:endParaRPr/>
+          </a:p>
+        </p:txBody>
+      </p:sp>
+      <p:sp>
+        <p:nvSpPr>
+          <p:cNvPr id="391" name="Shape 391"/>
+          <p:cNvSpPr>
+            <a:spLocks noGrp="1" noRot="1" noChangeAspect="1"/>
+          </p:cNvSpPr>
+          <p:nvPr>
+            <p:ph type="sldImg" idx="2"/>
+          </p:nvPr>
+        </p:nvSpPr>
+        <p:spPr>
+          <a:xfrm>
+            <a:off x="1143000" y="685800"/>
+            <a:ext cx="4572000" cy="3429000"/>
+          </a:xfrm>
+          <a:custGeom>
+            <a:avLst/>
+            <a:gdLst/>
+            <a:ahLst/>
+            <a:cxnLst/>
+            <a:rect l="0" t="0" r="0" b="0"/>
+            <a:pathLst>
+              <a:path w="120000" h="120000" extrusionOk="0">
+                <a:moveTo>
+                  <a:pt x="0" y="0"/>
+                </a:moveTo>
+                <a:lnTo>
+                  <a:pt x="120000" y="0"/>
+                </a:lnTo>
+                <a:lnTo>
+                  <a:pt x="120000" y="120000"/>
+                </a:lnTo>
+                <a:lnTo>
+                  <a:pt x="0" y="120000"/>
+                </a:lnTo>
+                <a:close/>
+              </a:path>
+            </a:pathLst>
+          </a:custGeom>
+        </p:spPr>
+      </p:sp>
+    </p:spTree>
+    <p:extLst>
+      <p:ext uri="{BB962C8B-B14F-4D97-AF65-F5344CB8AC3E}">
+        <p14:creationId xmlns:p14="http://schemas.microsoft.com/office/powerpoint/2010/main" val="2644654453"/>
+      </p:ext>
+    </p:extLst>
+  </p:cSld>
+  <p:clrMapOvr>
+    <a:masterClrMapping/>
+  </p:clrMapOvr>
+</p:notes>
+</file>
+
+<file path=ppt/notesSlides/notesSlide5.xml><?xml version="1.0" encoding="utf-8"?>
+<p:notes xmlns:a="http://schemas.openxmlformats.org/drawingml/2006/main" xmlns:r="http://schemas.openxmlformats.org/officeDocument/2006/relationships" xmlns:p="http://schemas.openxmlformats.org/presentationml/2006/main" showMasterSp="0" showMasterPhAnim="0">
+  <p:cSld>
+    <p:spTree>
+      <p:nvGrpSpPr>
+        <p:cNvPr id="1" name="Shape 389"/>
+        <p:cNvGrpSpPr/>
+        <p:nvPr/>
+      </p:nvGrpSpPr>
+      <p:grpSpPr>
+        <a:xfrm>
+          <a:off x="0" y="0"/>
+          <a:ext cx="0" cy="0"/>
+          <a:chOff x="0" y="0"/>
+          <a:chExt cx="0" cy="0"/>
+        </a:xfrm>
+      </p:grpSpPr>
+      <p:sp>
+        <p:nvSpPr>
+          <p:cNvPr id="390" name="Shape 390"/>
+          <p:cNvSpPr txBox="1">
+            <a:spLocks noGrp="1"/>
+          </p:cNvSpPr>
+          <p:nvPr>
+            <p:ph type="body" idx="1"/>
+          </p:nvPr>
+        </p:nvSpPr>
+        <p:spPr>
+          <a:xfrm>
+            <a:off x="685800" y="4343400"/>
+            <a:ext cx="5486400" cy="4114800"/>
+          </a:xfrm>
+          <a:prstGeom prst="rect">
+            <a:avLst/>
+          </a:prstGeom>
+        </p:spPr>
+        <p:txBody>
+          <a:bodyPr lIns="91425" tIns="91425" rIns="91425" bIns="91425" anchor="t" anchorCtr="0">
+            <a:noAutofit/>
+          </a:bodyPr>
+          <a:lstStyle/>
+          <a:p>
+            <a:pPr lvl="0">
+              <a:spcBef>
+                <a:spcPts val="0"/>
+              </a:spcBef>
+              <a:buNone/>
+            </a:pPr>
+            <a:endParaRPr/>
+          </a:p>
+        </p:txBody>
+      </p:sp>
+      <p:sp>
+        <p:nvSpPr>
+          <p:cNvPr id="391" name="Shape 391"/>
+          <p:cNvSpPr>
+            <a:spLocks noGrp="1" noRot="1" noChangeAspect="1"/>
+          </p:cNvSpPr>
+          <p:nvPr>
+            <p:ph type="sldImg" idx="2"/>
+          </p:nvPr>
+        </p:nvSpPr>
+        <p:spPr>
+          <a:xfrm>
+            <a:off x="1143000" y="685800"/>
+            <a:ext cx="4572000" cy="3429000"/>
+          </a:xfrm>
+          <a:custGeom>
+            <a:avLst/>
+            <a:gdLst/>
+            <a:ahLst/>
+            <a:cxnLst/>
+            <a:rect l="0" t="0" r="0" b="0"/>
+            <a:pathLst>
+              <a:path w="120000" h="120000" extrusionOk="0">
+                <a:moveTo>
+                  <a:pt x="0" y="0"/>
+                </a:moveTo>
+                <a:lnTo>
+                  <a:pt x="120000" y="0"/>
+                </a:lnTo>
+                <a:lnTo>
+                  <a:pt x="120000" y="120000"/>
+                </a:lnTo>
+                <a:lnTo>
+                  <a:pt x="0" y="120000"/>
+                </a:lnTo>
+                <a:close/>
+              </a:path>
+            </a:pathLst>
+          </a:custGeom>
+        </p:spPr>
+      </p:sp>
+    </p:spTree>
+    <p:extLst>
+      <p:ext uri="{BB962C8B-B14F-4D97-AF65-F5344CB8AC3E}">
+        <p14:creationId xmlns:p14="http://schemas.microsoft.com/office/powerpoint/2010/main" val="1790488076"/>
+      </p:ext>
+    </p:extLst>
+  </p:cSld>
+  <p:clrMapOvr>
+    <a:masterClrMapping/>
+  </p:clrMapOvr>
+</p:notes>
+</file>
+
+<file path=ppt/notesSlides/notesSlide6.xml><?xml version="1.0" encoding="utf-8"?>
+<p:notes xmlns:a="http://schemas.openxmlformats.org/drawingml/2006/main" xmlns:r="http://schemas.openxmlformats.org/officeDocument/2006/relationships" xmlns:p="http://schemas.openxmlformats.org/presentationml/2006/main" showMasterSp="0" showMasterPhAnim="0">
+  <p:cSld>
+    <p:spTree>
+      <p:nvGrpSpPr>
+        <p:cNvPr id="1" name="Shape 389"/>
+        <p:cNvGrpSpPr/>
+        <p:nvPr/>
+      </p:nvGrpSpPr>
+      <p:grpSpPr>
+        <a:xfrm>
+          <a:off x="0" y="0"/>
+          <a:ext cx="0" cy="0"/>
+          <a:chOff x="0" y="0"/>
+          <a:chExt cx="0" cy="0"/>
+        </a:xfrm>
+      </p:grpSpPr>
+      <p:sp>
+        <p:nvSpPr>
+          <p:cNvPr id="390" name="Shape 390"/>
+          <p:cNvSpPr txBox="1">
+            <a:spLocks noGrp="1"/>
+          </p:cNvSpPr>
+          <p:nvPr>
+            <p:ph type="body" idx="1"/>
+          </p:nvPr>
+        </p:nvSpPr>
+        <p:spPr>
+          <a:xfrm>
+            <a:off x="685800" y="4343400"/>
+            <a:ext cx="5486400" cy="4114800"/>
+          </a:xfrm>
+          <a:prstGeom prst="rect">
+            <a:avLst/>
+          </a:prstGeom>
+        </p:spPr>
+        <p:txBody>
+          <a:bodyPr lIns="91425" tIns="91425" rIns="91425" bIns="91425" anchor="t" anchorCtr="0">
+            <a:noAutofit/>
+          </a:bodyPr>
+          <a:lstStyle/>
+          <a:p>
+            <a:pPr lvl="0">
+              <a:spcBef>
+                <a:spcPts val="0"/>
+              </a:spcBef>
+              <a:buNone/>
+            </a:pPr>
+            <a:endParaRPr/>
+          </a:p>
+        </p:txBody>
+      </p:sp>
+      <p:sp>
+        <p:nvSpPr>
+          <p:cNvPr id="391" name="Shape 391"/>
+          <p:cNvSpPr>
+            <a:spLocks noGrp="1" noRot="1" noChangeAspect="1"/>
+          </p:cNvSpPr>
+          <p:nvPr>
+            <p:ph type="sldImg" idx="2"/>
+          </p:nvPr>
+        </p:nvSpPr>
+        <p:spPr>
+          <a:xfrm>
+            <a:off x="1143000" y="685800"/>
+            <a:ext cx="4572000" cy="3429000"/>
+          </a:xfrm>
+          <a:custGeom>
+            <a:avLst/>
+            <a:gdLst/>
+            <a:ahLst/>
+            <a:cxnLst/>
+            <a:rect l="0" t="0" r="0" b="0"/>
+            <a:pathLst>
+              <a:path w="120000" h="120000" extrusionOk="0">
+                <a:moveTo>
+                  <a:pt x="0" y="0"/>
+                </a:moveTo>
+                <a:lnTo>
+                  <a:pt x="120000" y="0"/>
+                </a:lnTo>
+                <a:lnTo>
+                  <a:pt x="120000" y="120000"/>
+                </a:lnTo>
+                <a:lnTo>
+                  <a:pt x="0" y="120000"/>
+                </a:lnTo>
+                <a:close/>
+              </a:path>
+            </a:pathLst>
+          </a:custGeom>
+        </p:spPr>
+      </p:sp>
+    </p:spTree>
+    <p:extLst>
+      <p:ext uri="{BB962C8B-B14F-4D97-AF65-F5344CB8AC3E}">
+        <p14:creationId xmlns:p14="http://schemas.microsoft.com/office/powerpoint/2010/main" val="3389387644"/>
       </p:ext>
     </p:extLst>
   </p:cSld>
@@ -10136,6 +10564,498 @@
               <a:buNone/>
             </a:pPr>
             <a:r>
+              <a:rPr lang="es-VE" sz="1850" dirty="0"/>
+              <a:t>Data</a:t>
+            </a:r>
+          </a:p>
+        </p:txBody>
+      </p:sp>
+      <p:sp>
+        <p:nvSpPr>
+          <p:cNvPr id="394" name="Shape 394"/>
+          <p:cNvSpPr txBox="1">
+            <a:spLocks noGrp="1"/>
+          </p:cNvSpPr>
+          <p:nvPr>
+            <p:ph type="title"/>
+          </p:nvPr>
+        </p:nvSpPr>
+        <p:spPr>
+          <a:xfrm>
+            <a:off x="666539" y="209956"/>
+            <a:ext cx="5192220" cy="428400"/>
+          </a:xfrm>
+          <a:prstGeom prst="rect">
+            <a:avLst/>
+          </a:prstGeom>
+          <a:noFill/>
+          <a:ln>
+            <a:noFill/>
+          </a:ln>
+        </p:spPr>
+        <p:txBody>
+          <a:bodyPr lIns="91425" tIns="45700" rIns="91425" bIns="45700" anchor="ctr" anchorCtr="0">
+            <a:noAutofit/>
+          </a:bodyPr>
+          <a:lstStyle/>
+          <a:p>
+            <a:pPr marL="0" marR="0" lvl="0" indent="0" algn="l" rtl="0">
+              <a:spcBef>
+                <a:spcPts val="0"/>
+              </a:spcBef>
+              <a:buClr>
+                <a:srgbClr val="F7B600"/>
+              </a:buClr>
+              <a:buSzPct val="25000"/>
+              <a:buFont typeface="Arial"/>
+              <a:buNone/>
+            </a:pPr>
+            <a:r>
+              <a:rPr lang="es-VE" sz="1200" dirty="0">
+                <a:solidFill>
+                  <a:srgbClr val="F7B600"/>
+                </a:solidFill>
+                <a:latin typeface="Montserrat"/>
+                <a:ea typeface="Montserrat"/>
+                <a:cs typeface="Montserrat"/>
+                <a:sym typeface="Montserrat"/>
+              </a:rPr>
+              <a:t>5</a:t>
+            </a:r>
+            <a:r>
+              <a:rPr lang="es-VE" sz="1200" i="0" u="none" strike="noStrike" cap="none" dirty="0">
+                <a:solidFill>
+                  <a:srgbClr val="F7B600"/>
+                </a:solidFill>
+                <a:latin typeface="Montserrat"/>
+                <a:ea typeface="Montserrat"/>
+                <a:cs typeface="Montserrat"/>
+                <a:sym typeface="Montserrat"/>
+              </a:rPr>
+              <a:t>.1 Gráfico </a:t>
+            </a:r>
+            <a:r>
+              <a:rPr lang="es-VE" sz="1200" i="0" u="none" strike="noStrike" cap="none">
+                <a:solidFill>
+                  <a:srgbClr val="F7B600"/>
+                </a:solidFill>
+                <a:latin typeface="Montserrat"/>
+                <a:ea typeface="Montserrat"/>
+                <a:cs typeface="Montserrat"/>
+                <a:sym typeface="Montserrat"/>
+              </a:rPr>
+              <a:t>de Columnas</a:t>
+            </a:r>
+            <a:endParaRPr lang="es-VE" sz="1200" i="0" u="none" strike="noStrike" cap="none" dirty="0">
+              <a:solidFill>
+                <a:srgbClr val="F7B600"/>
+              </a:solidFill>
+              <a:latin typeface="Montserrat"/>
+              <a:ea typeface="Montserrat"/>
+              <a:cs typeface="Montserrat"/>
+              <a:sym typeface="Montserrat"/>
+            </a:endParaRPr>
+          </a:p>
+        </p:txBody>
+      </p:sp>
+      <p:pic>
+        <p:nvPicPr>
+          <p:cNvPr id="395" name="Shape 395" descr="isotipo codeacademy.png"/>
+          <p:cNvPicPr preferRelativeResize="0"/>
+          <p:nvPr/>
+        </p:nvPicPr>
+        <p:blipFill rotWithShape="1">
+          <a:blip r:embed="rId3">
+            <a:alphaModFix/>
+          </a:blip>
+          <a:srcRect/>
+          <a:stretch/>
+        </p:blipFill>
+        <p:spPr>
+          <a:xfrm>
+            <a:off x="131781" y="126082"/>
+            <a:ext cx="548100" cy="548100"/>
+          </a:xfrm>
+          <a:prstGeom prst="rect">
+            <a:avLst/>
+          </a:prstGeom>
+          <a:noFill/>
+          <a:ln>
+            <a:noFill/>
+          </a:ln>
+        </p:spPr>
+      </p:pic>
+      <p:sp>
+        <p:nvSpPr>
+          <p:cNvPr id="396" name="Shape 396"/>
+          <p:cNvSpPr txBox="1"/>
+          <p:nvPr/>
+        </p:nvSpPr>
+        <p:spPr>
+          <a:xfrm>
+            <a:off x="1117076" y="674182"/>
+            <a:ext cx="7494309" cy="646200"/>
+          </a:xfrm>
+          <a:prstGeom prst="rect">
+            <a:avLst/>
+          </a:prstGeom>
+          <a:noFill/>
+          <a:ln>
+            <a:noFill/>
+          </a:ln>
+        </p:spPr>
+        <p:txBody>
+          <a:bodyPr lIns="91425" tIns="45700" rIns="91425" bIns="45700" anchor="t" anchorCtr="0">
+            <a:noAutofit/>
+          </a:bodyPr>
+          <a:lstStyle/>
+          <a:p>
+            <a:pPr marL="0" marR="0" lvl="0" indent="0" algn="l" rtl="0">
+              <a:spcBef>
+                <a:spcPts val="0"/>
+              </a:spcBef>
+              <a:buSzPct val="25000"/>
+              <a:buNone/>
+            </a:pPr>
+            <a:r>
+              <a:rPr lang="es-GT" sz="3600" dirty="0">
+                <a:solidFill>
+                  <a:srgbClr val="F7B600"/>
+                </a:solidFill>
+                <a:latin typeface="Raleway"/>
+                <a:ea typeface="Raleway"/>
+                <a:cs typeface="Raleway"/>
+                <a:sym typeface="Raleway"/>
+              </a:rPr>
+              <a:t>Crea tu propio gráfico</a:t>
+            </a:r>
+            <a:endParaRPr lang="es-GT" sz="3600" b="0" i="0" u="none" strike="noStrike" cap="none" dirty="0">
+              <a:solidFill>
+                <a:srgbClr val="F7B600"/>
+              </a:solidFill>
+              <a:latin typeface="Raleway"/>
+              <a:ea typeface="Raleway"/>
+              <a:cs typeface="Raleway"/>
+              <a:sym typeface="Raleway"/>
+            </a:endParaRPr>
+          </a:p>
+        </p:txBody>
+      </p:sp>
+      <p:sp>
+        <p:nvSpPr>
+          <p:cNvPr id="2" name="TextBox 1">
+            <a:extLst>
+              <a:ext uri="{FF2B5EF4-FFF2-40B4-BE49-F238E27FC236}">
+                <a16:creationId xmlns:a16="http://schemas.microsoft.com/office/drawing/2014/main" id="{359987A4-FA09-49EA-9AD5-F637CA854CD0}"/>
+              </a:ext>
+            </a:extLst>
+          </p:cNvPr>
+          <p:cNvSpPr txBox="1"/>
+          <p:nvPr/>
+        </p:nvSpPr>
+        <p:spPr>
+          <a:xfrm>
+            <a:off x="5340285" y="1592655"/>
+            <a:ext cx="2474536" cy="338554"/>
+          </a:xfrm>
+          <a:prstGeom prst="rect">
+            <a:avLst/>
+          </a:prstGeom>
+          <a:noFill/>
+        </p:spPr>
+        <p:txBody>
+          <a:bodyPr wrap="square" rtlCol="0">
+            <a:spAutoFit/>
+          </a:bodyPr>
+          <a:lstStyle/>
+          <a:p>
+            <a:r>
+              <a:rPr lang="es-VE" sz="1600" b="1" dirty="0">
+                <a:latin typeface="Raleway" panose="020B0604020202020204" charset="0"/>
+              </a:rPr>
+              <a:t>Instrucciones</a:t>
+            </a:r>
+            <a:endParaRPr lang="en-US" sz="1600" b="1" dirty="0">
+              <a:latin typeface="Raleway" panose="020B0604020202020204" charset="0"/>
+            </a:endParaRPr>
+          </a:p>
+        </p:txBody>
+      </p:sp>
+    </p:spTree>
+    <p:extLst>
+      <p:ext uri="{BB962C8B-B14F-4D97-AF65-F5344CB8AC3E}">
+        <p14:creationId xmlns:p14="http://schemas.microsoft.com/office/powerpoint/2010/main" val="1269151904"/>
+      </p:ext>
+    </p:extLst>
+  </p:cSld>
+  <p:clrMapOvr>
+    <a:masterClrMapping/>
+  </p:clrMapOvr>
+</p:sld>
+</file>
+
+<file path=ppt/slides/slide3.xml><?xml version="1.0" encoding="utf-8"?>
+<p:sld xmlns:a="http://schemas.openxmlformats.org/drawingml/2006/main" xmlns:r="http://schemas.openxmlformats.org/officeDocument/2006/relationships" xmlns:p="http://schemas.openxmlformats.org/presentationml/2006/main">
+  <p:cSld>
+    <p:spTree>
+      <p:nvGrpSpPr>
+        <p:cNvPr id="1" name="Shape 392"/>
+        <p:cNvGrpSpPr/>
+        <p:nvPr/>
+      </p:nvGrpSpPr>
+      <p:grpSpPr>
+        <a:xfrm>
+          <a:off x="0" y="0"/>
+          <a:ext cx="0" cy="0"/>
+          <a:chOff x="0" y="0"/>
+          <a:chExt cx="0" cy="0"/>
+        </a:xfrm>
+      </p:grpSpPr>
+      <p:sp>
+        <p:nvSpPr>
+          <p:cNvPr id="394" name="Shape 394"/>
+          <p:cNvSpPr txBox="1">
+            <a:spLocks noGrp="1"/>
+          </p:cNvSpPr>
+          <p:nvPr>
+            <p:ph type="title"/>
+          </p:nvPr>
+        </p:nvSpPr>
+        <p:spPr>
+          <a:xfrm>
+            <a:off x="666539" y="209956"/>
+            <a:ext cx="5192220" cy="428400"/>
+          </a:xfrm>
+          <a:prstGeom prst="rect">
+            <a:avLst/>
+          </a:prstGeom>
+          <a:noFill/>
+          <a:ln>
+            <a:noFill/>
+          </a:ln>
+        </p:spPr>
+        <p:txBody>
+          <a:bodyPr lIns="91425" tIns="45700" rIns="91425" bIns="45700" anchor="ctr" anchorCtr="0">
+            <a:noAutofit/>
+          </a:bodyPr>
+          <a:lstStyle/>
+          <a:p>
+            <a:pPr marL="0" marR="0" lvl="0" indent="0" algn="l" rtl="0">
+              <a:spcBef>
+                <a:spcPts val="0"/>
+              </a:spcBef>
+              <a:buClr>
+                <a:srgbClr val="F7B600"/>
+              </a:buClr>
+              <a:buSzPct val="25000"/>
+              <a:buFont typeface="Arial"/>
+              <a:buNone/>
+            </a:pPr>
+            <a:r>
+              <a:rPr lang="es-VE" sz="1200" dirty="0">
+                <a:solidFill>
+                  <a:srgbClr val="F7B600"/>
+                </a:solidFill>
+                <a:latin typeface="Montserrat"/>
+                <a:ea typeface="Montserrat"/>
+                <a:cs typeface="Montserrat"/>
+                <a:sym typeface="Montserrat"/>
+              </a:rPr>
+              <a:t>5</a:t>
+            </a:r>
+            <a:r>
+              <a:rPr lang="es-VE" sz="1200" i="0" u="none" strike="noStrike" cap="none" dirty="0">
+                <a:solidFill>
+                  <a:srgbClr val="F7B600"/>
+                </a:solidFill>
+                <a:latin typeface="Montserrat"/>
+                <a:ea typeface="Montserrat"/>
+                <a:cs typeface="Montserrat"/>
+                <a:sym typeface="Montserrat"/>
+              </a:rPr>
+              <a:t>.1 Gráfico </a:t>
+            </a:r>
+            <a:r>
+              <a:rPr lang="es-VE" sz="1200" i="0" u="none" strike="noStrike" cap="none">
+                <a:solidFill>
+                  <a:srgbClr val="F7B600"/>
+                </a:solidFill>
+                <a:latin typeface="Montserrat"/>
+                <a:ea typeface="Montserrat"/>
+                <a:cs typeface="Montserrat"/>
+                <a:sym typeface="Montserrat"/>
+              </a:rPr>
+              <a:t>de Columnas</a:t>
+            </a:r>
+            <a:endParaRPr lang="es-VE" sz="1200" i="0" u="none" strike="noStrike" cap="none" dirty="0">
+              <a:solidFill>
+                <a:srgbClr val="F7B600"/>
+              </a:solidFill>
+              <a:latin typeface="Montserrat"/>
+              <a:ea typeface="Montserrat"/>
+              <a:cs typeface="Montserrat"/>
+              <a:sym typeface="Montserrat"/>
+            </a:endParaRPr>
+          </a:p>
+        </p:txBody>
+      </p:sp>
+      <p:pic>
+        <p:nvPicPr>
+          <p:cNvPr id="395" name="Shape 395" descr="isotipo codeacademy.png"/>
+          <p:cNvPicPr preferRelativeResize="0"/>
+          <p:nvPr/>
+        </p:nvPicPr>
+        <p:blipFill rotWithShape="1">
+          <a:blip r:embed="rId3">
+            <a:alphaModFix/>
+          </a:blip>
+          <a:srcRect/>
+          <a:stretch/>
+        </p:blipFill>
+        <p:spPr>
+          <a:xfrm>
+            <a:off x="131781" y="126082"/>
+            <a:ext cx="548100" cy="548100"/>
+          </a:xfrm>
+          <a:prstGeom prst="rect">
+            <a:avLst/>
+          </a:prstGeom>
+          <a:noFill/>
+          <a:ln>
+            <a:noFill/>
+          </a:ln>
+        </p:spPr>
+      </p:pic>
+      <p:sp>
+        <p:nvSpPr>
+          <p:cNvPr id="396" name="Shape 396"/>
+          <p:cNvSpPr txBox="1"/>
+          <p:nvPr/>
+        </p:nvSpPr>
+        <p:spPr>
+          <a:xfrm>
+            <a:off x="1117076" y="674182"/>
+            <a:ext cx="7494309" cy="646200"/>
+          </a:xfrm>
+          <a:prstGeom prst="rect">
+            <a:avLst/>
+          </a:prstGeom>
+          <a:noFill/>
+          <a:ln>
+            <a:noFill/>
+          </a:ln>
+        </p:spPr>
+        <p:txBody>
+          <a:bodyPr lIns="91425" tIns="45700" rIns="91425" bIns="45700" anchor="t" anchorCtr="0">
+            <a:noAutofit/>
+          </a:bodyPr>
+          <a:lstStyle/>
+          <a:p>
+            <a:pPr marL="0" marR="0" lvl="0" indent="0" algn="l" rtl="0">
+              <a:spcBef>
+                <a:spcPts val="0"/>
+              </a:spcBef>
+              <a:buSzPct val="25000"/>
+              <a:buNone/>
+            </a:pPr>
+            <a:r>
+              <a:rPr lang="es-GT" sz="3600" dirty="0">
+                <a:solidFill>
+                  <a:srgbClr val="F7B600"/>
+                </a:solidFill>
+                <a:latin typeface="Raleway"/>
+                <a:ea typeface="Raleway"/>
+                <a:cs typeface="Raleway"/>
+                <a:sym typeface="Raleway"/>
+              </a:rPr>
+              <a:t>Resultado</a:t>
+            </a:r>
+            <a:endParaRPr lang="es-GT" sz="3600" b="0" i="0" u="none" strike="noStrike" cap="none" dirty="0">
+              <a:solidFill>
+                <a:srgbClr val="F7B600"/>
+              </a:solidFill>
+              <a:latin typeface="Raleway"/>
+              <a:ea typeface="Raleway"/>
+              <a:cs typeface="Raleway"/>
+              <a:sym typeface="Raleway"/>
+            </a:endParaRPr>
+          </a:p>
+        </p:txBody>
+      </p:sp>
+    </p:spTree>
+    <p:extLst>
+      <p:ext uri="{BB962C8B-B14F-4D97-AF65-F5344CB8AC3E}">
+        <p14:creationId xmlns:p14="http://schemas.microsoft.com/office/powerpoint/2010/main" val="3339719690"/>
+      </p:ext>
+    </p:extLst>
+  </p:cSld>
+  <p:clrMapOvr>
+    <a:masterClrMapping/>
+  </p:clrMapOvr>
+</p:sld>
+</file>
+
+<file path=ppt/slides/slide4.xml><?xml version="1.0" encoding="utf-8"?>
+<p:sld xmlns:a="http://schemas.openxmlformats.org/drawingml/2006/main" xmlns:r="http://schemas.openxmlformats.org/officeDocument/2006/relationships" xmlns:p="http://schemas.openxmlformats.org/presentationml/2006/main">
+  <p:cSld>
+    <p:spTree>
+      <p:nvGrpSpPr>
+        <p:cNvPr id="1" name="Shape 392"/>
+        <p:cNvGrpSpPr/>
+        <p:nvPr/>
+      </p:nvGrpSpPr>
+      <p:grpSpPr>
+        <a:xfrm>
+          <a:off x="0" y="0"/>
+          <a:ext cx="0" cy="0"/>
+          <a:chOff x="0" y="0"/>
+          <a:chExt cx="0" cy="0"/>
+        </a:xfrm>
+      </p:grpSpPr>
+      <p:sp>
+        <p:nvSpPr>
+          <p:cNvPr id="393" name="Shape 393"/>
+          <p:cNvSpPr txBox="1">
+            <a:spLocks noGrp="1"/>
+          </p:cNvSpPr>
+          <p:nvPr>
+            <p:ph type="body" idx="1"/>
+          </p:nvPr>
+        </p:nvSpPr>
+        <p:spPr>
+          <a:xfrm>
+            <a:off x="457200" y="1628481"/>
+            <a:ext cx="8229600" cy="4526100"/>
+          </a:xfrm>
+          <a:prstGeom prst="rect">
+            <a:avLst/>
+          </a:prstGeom>
+          <a:noFill/>
+          <a:ln>
+            <a:noFill/>
+          </a:ln>
+        </p:spPr>
+        <p:txBody>
+          <a:bodyPr lIns="91425" tIns="45700" rIns="91425" bIns="45700" anchor="t" anchorCtr="0">
+            <a:noAutofit/>
+          </a:bodyPr>
+          <a:lstStyle/>
+          <a:p>
+            <a:pPr marL="0" marR="0" lvl="0" indent="0" algn="l" rtl="0">
+              <a:lnSpc>
+                <a:spcPct val="90000"/>
+              </a:lnSpc>
+              <a:spcBef>
+                <a:spcPts val="0"/>
+              </a:spcBef>
+              <a:buClr>
+                <a:schemeClr val="dk1"/>
+              </a:buClr>
+              <a:buSzPct val="25000"/>
+              <a:buFont typeface="Arial"/>
+              <a:buNone/>
+            </a:pPr>
+            <a:r>
               <a:rPr lang="es-VE" sz="1850" b="0" i="0" u="none" strike="noStrike" cap="none" dirty="0">
                 <a:solidFill>
                   <a:schemeClr val="dk1"/>
@@ -10295,7 +11215,7 @@
               <a:buNone/>
             </a:pPr>
             <a:r>
-              <a:rPr lang="es-GT" sz="3600" dirty="0">
+              <a:rPr lang="es-GT" sz="3600" b="0" i="0" u="none" strike="noStrike" cap="none" dirty="0">
                 <a:solidFill>
                   <a:srgbClr val="F7B600"/>
                 </a:solidFill>
@@ -10304,24 +11224,478 @@
                 <a:cs typeface="Raleway"/>
                 <a:sym typeface="Raleway"/>
               </a:rPr>
-              <a:t>Título</a:t>
+              <a:t>¿Cómo se hace en </a:t>
             </a:r>
-            <a:endParaRPr lang="es-GT" sz="3600" b="0" i="0" u="none" strike="noStrike" cap="none" dirty="0">
-              <a:solidFill>
-                <a:srgbClr val="F7B600"/>
-              </a:solidFill>
-              <a:latin typeface="Raleway"/>
-              <a:ea typeface="Raleway"/>
-              <a:cs typeface="Raleway"/>
-              <a:sym typeface="Raleway"/>
-            </a:endParaRPr>
+            <a:r>
+              <a:rPr lang="es-GT" sz="3600" b="0" i="0" u="none" strike="noStrike" cap="none" dirty="0" err="1">
+                <a:solidFill>
+                  <a:srgbClr val="F7B600"/>
+                </a:solidFill>
+                <a:latin typeface="Raleway"/>
+                <a:ea typeface="Raleway"/>
+                <a:cs typeface="Raleway"/>
+                <a:sym typeface="Raleway"/>
+              </a:rPr>
+              <a:t>Tableau</a:t>
+            </a:r>
+            <a:r>
+              <a:rPr lang="es-GT" sz="3600" b="0" i="0" u="none" strike="noStrike" cap="none" dirty="0">
+                <a:solidFill>
+                  <a:srgbClr val="F7B600"/>
+                </a:solidFill>
+                <a:latin typeface="Raleway"/>
+                <a:ea typeface="Raleway"/>
+                <a:cs typeface="Raleway"/>
+                <a:sym typeface="Raleway"/>
+              </a:rPr>
+              <a:t>?</a:t>
+            </a:r>
           </a:p>
         </p:txBody>
       </p:sp>
     </p:spTree>
     <p:extLst>
       <p:ext uri="{BB962C8B-B14F-4D97-AF65-F5344CB8AC3E}">
-        <p14:creationId xmlns:p14="http://schemas.microsoft.com/office/powerpoint/2010/main" val="1269151904"/>
+        <p14:creationId xmlns:p14="http://schemas.microsoft.com/office/powerpoint/2010/main" val="3317680295"/>
+      </p:ext>
+    </p:extLst>
+  </p:cSld>
+  <p:clrMapOvr>
+    <a:masterClrMapping/>
+  </p:clrMapOvr>
+</p:sld>
+</file>
+
+<file path=ppt/slides/slide5.xml><?xml version="1.0" encoding="utf-8"?>
+<p:sld xmlns:a="http://schemas.openxmlformats.org/drawingml/2006/main" xmlns:r="http://schemas.openxmlformats.org/officeDocument/2006/relationships" xmlns:p="http://schemas.openxmlformats.org/presentationml/2006/main">
+  <p:cSld>
+    <p:spTree>
+      <p:nvGrpSpPr>
+        <p:cNvPr id="1" name="Shape 392"/>
+        <p:cNvGrpSpPr/>
+        <p:nvPr/>
+      </p:nvGrpSpPr>
+      <p:grpSpPr>
+        <a:xfrm>
+          <a:off x="0" y="0"/>
+          <a:ext cx="0" cy="0"/>
+          <a:chOff x="0" y="0"/>
+          <a:chExt cx="0" cy="0"/>
+        </a:xfrm>
+      </p:grpSpPr>
+      <p:sp>
+        <p:nvSpPr>
+          <p:cNvPr id="393" name="Shape 393"/>
+          <p:cNvSpPr txBox="1">
+            <a:spLocks noGrp="1"/>
+          </p:cNvSpPr>
+          <p:nvPr>
+            <p:ph type="body" idx="1"/>
+          </p:nvPr>
+        </p:nvSpPr>
+        <p:spPr>
+          <a:xfrm>
+            <a:off x="457200" y="1628481"/>
+            <a:ext cx="8229600" cy="4526100"/>
+          </a:xfrm>
+          <a:prstGeom prst="rect">
+            <a:avLst/>
+          </a:prstGeom>
+          <a:noFill/>
+          <a:ln>
+            <a:noFill/>
+          </a:ln>
+        </p:spPr>
+        <p:txBody>
+          <a:bodyPr lIns="91425" tIns="45700" rIns="91425" bIns="45700" anchor="t" anchorCtr="0">
+            <a:noAutofit/>
+          </a:bodyPr>
+          <a:lstStyle/>
+          <a:p>
+            <a:pPr marL="0" marR="0" lvl="0" indent="0" algn="l" rtl="0">
+              <a:lnSpc>
+                <a:spcPct val="90000"/>
+              </a:lnSpc>
+              <a:spcBef>
+                <a:spcPts val="0"/>
+              </a:spcBef>
+              <a:buClr>
+                <a:schemeClr val="dk1"/>
+              </a:buClr>
+              <a:buSzPct val="25000"/>
+              <a:buFont typeface="Arial"/>
+              <a:buNone/>
+            </a:pPr>
+            <a:r>
+              <a:rPr lang="es-VE" sz="1850" b="0" i="0" u="none" strike="noStrike" cap="none" dirty="0">
+                <a:solidFill>
+                  <a:schemeClr val="dk1"/>
+                </a:solidFill>
+              </a:rPr>
+              <a:t>Texto</a:t>
+            </a:r>
+            <a:endParaRPr lang="es-VE" sz="1850" dirty="0"/>
+          </a:p>
+        </p:txBody>
+      </p:sp>
+      <p:sp>
+        <p:nvSpPr>
+          <p:cNvPr id="394" name="Shape 394"/>
+          <p:cNvSpPr txBox="1">
+            <a:spLocks noGrp="1"/>
+          </p:cNvSpPr>
+          <p:nvPr>
+            <p:ph type="title"/>
+          </p:nvPr>
+        </p:nvSpPr>
+        <p:spPr>
+          <a:xfrm>
+            <a:off x="666539" y="209956"/>
+            <a:ext cx="5192220" cy="428400"/>
+          </a:xfrm>
+          <a:prstGeom prst="rect">
+            <a:avLst/>
+          </a:prstGeom>
+          <a:noFill/>
+          <a:ln>
+            <a:noFill/>
+          </a:ln>
+        </p:spPr>
+        <p:txBody>
+          <a:bodyPr lIns="91425" tIns="45700" rIns="91425" bIns="45700" anchor="ctr" anchorCtr="0">
+            <a:noAutofit/>
+          </a:bodyPr>
+          <a:lstStyle/>
+          <a:p>
+            <a:pPr marL="0" marR="0" lvl="0" indent="0" algn="l" rtl="0">
+              <a:spcBef>
+                <a:spcPts val="0"/>
+              </a:spcBef>
+              <a:buClr>
+                <a:srgbClr val="F7B600"/>
+              </a:buClr>
+              <a:buSzPct val="25000"/>
+              <a:buFont typeface="Arial"/>
+              <a:buNone/>
+            </a:pPr>
+            <a:r>
+              <a:rPr lang="es-VE" sz="1200" dirty="0">
+                <a:solidFill>
+                  <a:srgbClr val="F7B600"/>
+                </a:solidFill>
+                <a:latin typeface="Montserrat"/>
+                <a:ea typeface="Montserrat"/>
+                <a:cs typeface="Montserrat"/>
+                <a:sym typeface="Montserrat"/>
+              </a:rPr>
+              <a:t>5</a:t>
+            </a:r>
+            <a:r>
+              <a:rPr lang="es-VE" sz="1200" i="0" u="none" strike="noStrike" cap="none" dirty="0">
+                <a:solidFill>
+                  <a:srgbClr val="F7B600"/>
+                </a:solidFill>
+                <a:latin typeface="Montserrat"/>
+                <a:ea typeface="Montserrat"/>
+                <a:cs typeface="Montserrat"/>
+                <a:sym typeface="Montserrat"/>
+              </a:rPr>
+              <a:t>.1 Gráfico </a:t>
+            </a:r>
+            <a:r>
+              <a:rPr lang="es-VE" sz="1200" i="0" u="none" strike="noStrike" cap="none">
+                <a:solidFill>
+                  <a:srgbClr val="F7B600"/>
+                </a:solidFill>
+                <a:latin typeface="Montserrat"/>
+                <a:ea typeface="Montserrat"/>
+                <a:cs typeface="Montserrat"/>
+                <a:sym typeface="Montserrat"/>
+              </a:rPr>
+              <a:t>de Columnas</a:t>
+            </a:r>
+            <a:endParaRPr lang="es-VE" sz="1200" i="0" u="none" strike="noStrike" cap="none" dirty="0">
+              <a:solidFill>
+                <a:srgbClr val="F7B600"/>
+              </a:solidFill>
+              <a:latin typeface="Montserrat"/>
+              <a:ea typeface="Montserrat"/>
+              <a:cs typeface="Montserrat"/>
+              <a:sym typeface="Montserrat"/>
+            </a:endParaRPr>
+          </a:p>
+        </p:txBody>
+      </p:sp>
+      <p:pic>
+        <p:nvPicPr>
+          <p:cNvPr id="395" name="Shape 395" descr="isotipo codeacademy.png"/>
+          <p:cNvPicPr preferRelativeResize="0"/>
+          <p:nvPr/>
+        </p:nvPicPr>
+        <p:blipFill rotWithShape="1">
+          <a:blip r:embed="rId3">
+            <a:alphaModFix/>
+          </a:blip>
+          <a:srcRect/>
+          <a:stretch/>
+        </p:blipFill>
+        <p:spPr>
+          <a:xfrm>
+            <a:off x="131781" y="126082"/>
+            <a:ext cx="548100" cy="548100"/>
+          </a:xfrm>
+          <a:prstGeom prst="rect">
+            <a:avLst/>
+          </a:prstGeom>
+          <a:noFill/>
+          <a:ln>
+            <a:noFill/>
+          </a:ln>
+        </p:spPr>
+      </p:pic>
+      <p:sp>
+        <p:nvSpPr>
+          <p:cNvPr id="396" name="Shape 396"/>
+          <p:cNvSpPr txBox="1"/>
+          <p:nvPr/>
+        </p:nvSpPr>
+        <p:spPr>
+          <a:xfrm>
+            <a:off x="1117077" y="674182"/>
+            <a:ext cx="7107810" cy="646200"/>
+          </a:xfrm>
+          <a:prstGeom prst="rect">
+            <a:avLst/>
+          </a:prstGeom>
+          <a:noFill/>
+          <a:ln>
+            <a:noFill/>
+          </a:ln>
+        </p:spPr>
+        <p:txBody>
+          <a:bodyPr lIns="91425" tIns="45700" rIns="91425" bIns="45700" anchor="t" anchorCtr="0">
+            <a:noAutofit/>
+          </a:bodyPr>
+          <a:lstStyle/>
+          <a:p>
+            <a:pPr marL="0" marR="0" lvl="0" indent="0" algn="l" rtl="0">
+              <a:spcBef>
+                <a:spcPts val="0"/>
+              </a:spcBef>
+              <a:buSzPct val="25000"/>
+              <a:buNone/>
+            </a:pPr>
+            <a:r>
+              <a:rPr lang="es-GT" sz="3600" b="0" i="0" u="none" strike="noStrike" cap="none" dirty="0">
+                <a:solidFill>
+                  <a:srgbClr val="F7B600"/>
+                </a:solidFill>
+                <a:latin typeface="Raleway"/>
+                <a:ea typeface="Raleway"/>
+                <a:cs typeface="Raleway"/>
+                <a:sym typeface="Raleway"/>
+              </a:rPr>
+              <a:t>¿Cómo hacemos el ejemplo?</a:t>
+            </a:r>
+          </a:p>
+        </p:txBody>
+      </p:sp>
+    </p:spTree>
+    <p:extLst>
+      <p:ext uri="{BB962C8B-B14F-4D97-AF65-F5344CB8AC3E}">
+        <p14:creationId xmlns:p14="http://schemas.microsoft.com/office/powerpoint/2010/main" val="1010414157"/>
+      </p:ext>
+    </p:extLst>
+  </p:cSld>
+  <p:clrMapOvr>
+    <a:masterClrMapping/>
+  </p:clrMapOvr>
+</p:sld>
+</file>
+
+<file path=ppt/slides/slide6.xml><?xml version="1.0" encoding="utf-8"?>
+<p:sld xmlns:a="http://schemas.openxmlformats.org/drawingml/2006/main" xmlns:r="http://schemas.openxmlformats.org/officeDocument/2006/relationships" xmlns:p="http://schemas.openxmlformats.org/presentationml/2006/main">
+  <p:cSld>
+    <p:spTree>
+      <p:nvGrpSpPr>
+        <p:cNvPr id="1" name="Shape 392"/>
+        <p:cNvGrpSpPr/>
+        <p:nvPr/>
+      </p:nvGrpSpPr>
+      <p:grpSpPr>
+        <a:xfrm>
+          <a:off x="0" y="0"/>
+          <a:ext cx="0" cy="0"/>
+          <a:chOff x="0" y="0"/>
+          <a:chExt cx="0" cy="0"/>
+        </a:xfrm>
+      </p:grpSpPr>
+      <p:sp>
+        <p:nvSpPr>
+          <p:cNvPr id="394" name="Shape 394"/>
+          <p:cNvSpPr txBox="1">
+            <a:spLocks noGrp="1"/>
+          </p:cNvSpPr>
+          <p:nvPr>
+            <p:ph type="title"/>
+          </p:nvPr>
+        </p:nvSpPr>
+        <p:spPr>
+          <a:xfrm>
+            <a:off x="666539" y="209956"/>
+            <a:ext cx="5192220" cy="428400"/>
+          </a:xfrm>
+          <a:prstGeom prst="rect">
+            <a:avLst/>
+          </a:prstGeom>
+          <a:noFill/>
+          <a:ln>
+            <a:noFill/>
+          </a:ln>
+        </p:spPr>
+        <p:txBody>
+          <a:bodyPr lIns="91425" tIns="45700" rIns="91425" bIns="45700" anchor="ctr" anchorCtr="0">
+            <a:noAutofit/>
+          </a:bodyPr>
+          <a:lstStyle/>
+          <a:p>
+            <a:pPr marL="0" marR="0" lvl="0" indent="0" algn="l" rtl="0">
+              <a:spcBef>
+                <a:spcPts val="0"/>
+              </a:spcBef>
+              <a:buClr>
+                <a:srgbClr val="F7B600"/>
+              </a:buClr>
+              <a:buSzPct val="25000"/>
+              <a:buFont typeface="Arial"/>
+              <a:buNone/>
+            </a:pPr>
+            <a:r>
+              <a:rPr lang="es-VE" sz="1200" dirty="0">
+                <a:solidFill>
+                  <a:srgbClr val="F7B600"/>
+                </a:solidFill>
+                <a:latin typeface="Montserrat"/>
+                <a:ea typeface="Montserrat"/>
+                <a:cs typeface="Montserrat"/>
+                <a:sym typeface="Montserrat"/>
+              </a:rPr>
+              <a:t>5</a:t>
+            </a:r>
+            <a:r>
+              <a:rPr lang="es-VE" sz="1200" i="0" u="none" strike="noStrike" cap="none" dirty="0">
+                <a:solidFill>
+                  <a:srgbClr val="F7B600"/>
+                </a:solidFill>
+                <a:latin typeface="Montserrat"/>
+                <a:ea typeface="Montserrat"/>
+                <a:cs typeface="Montserrat"/>
+                <a:sym typeface="Montserrat"/>
+              </a:rPr>
+              <a:t>.1 Gráfico </a:t>
+            </a:r>
+            <a:r>
+              <a:rPr lang="es-VE" sz="1200" i="0" u="none" strike="noStrike" cap="none">
+                <a:solidFill>
+                  <a:srgbClr val="F7B600"/>
+                </a:solidFill>
+                <a:latin typeface="Montserrat"/>
+                <a:ea typeface="Montserrat"/>
+                <a:cs typeface="Montserrat"/>
+                <a:sym typeface="Montserrat"/>
+              </a:rPr>
+              <a:t>de Columnas</a:t>
+            </a:r>
+            <a:endParaRPr lang="es-VE" sz="1200" i="0" u="none" strike="noStrike" cap="none" dirty="0">
+              <a:solidFill>
+                <a:srgbClr val="F7B600"/>
+              </a:solidFill>
+              <a:latin typeface="Montserrat"/>
+              <a:ea typeface="Montserrat"/>
+              <a:cs typeface="Montserrat"/>
+              <a:sym typeface="Montserrat"/>
+            </a:endParaRPr>
+          </a:p>
+        </p:txBody>
+      </p:sp>
+      <p:pic>
+        <p:nvPicPr>
+          <p:cNvPr id="395" name="Shape 395" descr="isotipo codeacademy.png"/>
+          <p:cNvPicPr preferRelativeResize="0"/>
+          <p:nvPr/>
+        </p:nvPicPr>
+        <p:blipFill rotWithShape="1">
+          <a:blip r:embed="rId3">
+            <a:alphaModFix/>
+          </a:blip>
+          <a:srcRect/>
+          <a:stretch/>
+        </p:blipFill>
+        <p:spPr>
+          <a:xfrm>
+            <a:off x="131781" y="126082"/>
+            <a:ext cx="548100" cy="548100"/>
+          </a:xfrm>
+          <a:prstGeom prst="rect">
+            <a:avLst/>
+          </a:prstGeom>
+          <a:noFill/>
+          <a:ln>
+            <a:noFill/>
+          </a:ln>
+        </p:spPr>
+      </p:pic>
+      <p:sp>
+        <p:nvSpPr>
+          <p:cNvPr id="396" name="Shape 396"/>
+          <p:cNvSpPr txBox="1"/>
+          <p:nvPr/>
+        </p:nvSpPr>
+        <p:spPr>
+          <a:xfrm>
+            <a:off x="1786380" y="2719799"/>
+            <a:ext cx="5236589" cy="646200"/>
+          </a:xfrm>
+          <a:prstGeom prst="rect">
+            <a:avLst/>
+          </a:prstGeom>
+          <a:noFill/>
+          <a:ln>
+            <a:noFill/>
+          </a:ln>
+        </p:spPr>
+        <p:txBody>
+          <a:bodyPr lIns="91425" tIns="45700" rIns="91425" bIns="45700" anchor="t" anchorCtr="0">
+            <a:noAutofit/>
+          </a:bodyPr>
+          <a:lstStyle/>
+          <a:p>
+            <a:pPr marL="0" marR="0" lvl="0" indent="0" algn="ctr" rtl="0">
+              <a:spcBef>
+                <a:spcPts val="0"/>
+              </a:spcBef>
+              <a:buSzPct val="25000"/>
+              <a:buNone/>
+            </a:pPr>
+            <a:r>
+              <a:rPr lang="es-GT" sz="5400" b="0" i="0" u="none" strike="noStrike" cap="none" dirty="0">
+                <a:solidFill>
+                  <a:srgbClr val="F7B600"/>
+                </a:solidFill>
+                <a:latin typeface="Raleway"/>
+                <a:ea typeface="Raleway"/>
+                <a:cs typeface="Raleway"/>
+                <a:sym typeface="Raleway"/>
+              </a:rPr>
+              <a:t>TU TURNO</a:t>
+            </a:r>
+          </a:p>
+        </p:txBody>
+      </p:sp>
+    </p:spTree>
+    <p:extLst>
+      <p:ext uri="{BB962C8B-B14F-4D97-AF65-F5344CB8AC3E}">
+        <p14:creationId xmlns:p14="http://schemas.microsoft.com/office/powerpoint/2010/main" val="854369419"/>
       </p:ext>
     </p:extLst>
   </p:cSld>
